--- a/Query_Writing/03_Working_with_Multiple_Tables.pptx
+++ b/Query_Writing/03_Working_with_Multiple_Tables.pptx
@@ -149,14 +149,6 @@
     </p:ext>
   </p:extLst>
 </p:presentation>
-</file>
-
-<file path=ppt/revisionInfo.xml><?xml version="1.0" encoding="utf-8"?>
-<p1510:revInfo xmlns:a="http://schemas.openxmlformats.org/drawingml/2006/main" xmlns:r="http://schemas.openxmlformats.org/officeDocument/2006/relationships" xmlns:p1510="http://schemas.microsoft.com/office/powerpoint/2015/10/main">
-  <p1510:revLst>
-    <p1510:client id="{977E6065-9FBF-415B-B83A-E6137E4968D6}" v="91" dt="2020-10-25T14:23:46.708"/>
-  </p1510:revLst>
-</p1510:revInfo>
 </file>
 
 <file path=ppt/diagrams/colors1.xml><?xml version="1.0" encoding="utf-8"?>
@@ -2891,7 +2883,7 @@
           <a:p>
             <a:fld id="{CFBA6064-FDE0-48E8-9405-22609F48ED19}" type="datetimeFigureOut">
               <a:rPr lang="en-US" smtClean="0"/>
-              <a:t>10/25/2020</a:t>
+              <a:t>11/3/2020</a:t>
             </a:fld>
             <a:endParaRPr lang="en-US"/>
           </a:p>
@@ -3592,11 +3584,11 @@
             <a:avLst/>
           </a:prstGeom>
           <a:solidFill>
-            <a:srgbClr val="080808"/>
+            <a:schemeClr val="tx1"/>
           </a:solidFill>
           <a:ln>
             <a:solidFill>
-              <a:srgbClr val="080808"/>
+              <a:schemeClr val="tx1"/>
             </a:solidFill>
           </a:ln>
         </p:spPr>
@@ -3646,11 +3638,11 @@
             <a:avLst/>
           </a:prstGeom>
           <a:solidFill>
-            <a:srgbClr val="080808"/>
+            <a:schemeClr val="tx1"/>
           </a:solidFill>
           <a:ln>
             <a:solidFill>
-              <a:srgbClr val="080808"/>
+              <a:schemeClr val="tx1"/>
             </a:solidFill>
           </a:ln>
         </p:spPr>
@@ -3700,11 +3692,11 @@
             <a:avLst/>
           </a:prstGeom>
           <a:solidFill>
-            <a:srgbClr val="080808"/>
+            <a:schemeClr val="tx1"/>
           </a:solidFill>
           <a:ln>
             <a:solidFill>
-              <a:srgbClr val="080808"/>
+              <a:schemeClr val="tx1"/>
             </a:solidFill>
           </a:ln>
         </p:spPr>
@@ -4747,8 +4739,8 @@
         </p:nvSpPr>
         <p:spPr>
           <a:xfrm>
-            <a:off x="504316" y="4018020"/>
-            <a:ext cx="6275640" cy="1792850"/>
+            <a:off x="537872" y="4118688"/>
+            <a:ext cx="4663302" cy="1792850"/>
           </a:xfrm>
         </p:spPr>
         <p:txBody>
